--- a/lectures/week_12_mixed_models/ex12_assignment.pptx
+++ b/lectures/week_12_mixed_models/ex12_assignment.pptx
@@ -243,7 +243,7 @@
           <a:p>
             <a:fld id="{34454F2F-FBAD-5A42-9176-B0E5C5726216}" type="datetimeFigureOut">
               <a:rPr lang="en-US" smtClean="0"/>
-              <a:t>4/23/20</a:t>
+              <a:t>4/13/22</a:t>
             </a:fld>
             <a:endParaRPr lang="en-US"/>
           </a:p>
@@ -411,7 +411,7 @@
           <a:p>
             <a:fld id="{34454F2F-FBAD-5A42-9176-B0E5C5726216}" type="datetimeFigureOut">
               <a:rPr lang="en-US" smtClean="0"/>
-              <a:t>4/23/20</a:t>
+              <a:t>4/13/22</a:t>
             </a:fld>
             <a:endParaRPr lang="en-US"/>
           </a:p>
@@ -589,7 +589,7 @@
           <a:p>
             <a:fld id="{34454F2F-FBAD-5A42-9176-B0E5C5726216}" type="datetimeFigureOut">
               <a:rPr lang="en-US" smtClean="0"/>
-              <a:t>4/23/20</a:t>
+              <a:t>4/13/22</a:t>
             </a:fld>
             <a:endParaRPr lang="en-US"/>
           </a:p>
@@ -757,7 +757,7 @@
           <a:p>
             <a:fld id="{34454F2F-FBAD-5A42-9176-B0E5C5726216}" type="datetimeFigureOut">
               <a:rPr lang="en-US" smtClean="0"/>
-              <a:t>4/23/20</a:t>
+              <a:t>4/13/22</a:t>
             </a:fld>
             <a:endParaRPr lang="en-US"/>
           </a:p>
@@ -1002,7 +1002,7 @@
           <a:p>
             <a:fld id="{34454F2F-FBAD-5A42-9176-B0E5C5726216}" type="datetimeFigureOut">
               <a:rPr lang="en-US" smtClean="0"/>
-              <a:t>4/23/20</a:t>
+              <a:t>4/13/22</a:t>
             </a:fld>
             <a:endParaRPr lang="en-US"/>
           </a:p>
@@ -1231,7 +1231,7 @@
           <a:p>
             <a:fld id="{34454F2F-FBAD-5A42-9176-B0E5C5726216}" type="datetimeFigureOut">
               <a:rPr lang="en-US" smtClean="0"/>
-              <a:t>4/23/20</a:t>
+              <a:t>4/13/22</a:t>
             </a:fld>
             <a:endParaRPr lang="en-US"/>
           </a:p>
@@ -1595,7 +1595,7 @@
           <a:p>
             <a:fld id="{34454F2F-FBAD-5A42-9176-B0E5C5726216}" type="datetimeFigureOut">
               <a:rPr lang="en-US" smtClean="0"/>
-              <a:t>4/23/20</a:t>
+              <a:t>4/13/22</a:t>
             </a:fld>
             <a:endParaRPr lang="en-US"/>
           </a:p>
@@ -1712,7 +1712,7 @@
           <a:p>
             <a:fld id="{34454F2F-FBAD-5A42-9176-B0E5C5726216}" type="datetimeFigureOut">
               <a:rPr lang="en-US" smtClean="0"/>
-              <a:t>4/23/20</a:t>
+              <a:t>4/13/22</a:t>
             </a:fld>
             <a:endParaRPr lang="en-US"/>
           </a:p>
@@ -1807,7 +1807,7 @@
           <a:p>
             <a:fld id="{34454F2F-FBAD-5A42-9176-B0E5C5726216}" type="datetimeFigureOut">
               <a:rPr lang="en-US" smtClean="0"/>
-              <a:t>4/23/20</a:t>
+              <a:t>4/13/22</a:t>
             </a:fld>
             <a:endParaRPr lang="en-US"/>
           </a:p>
@@ -2082,7 +2082,7 @@
           <a:p>
             <a:fld id="{34454F2F-FBAD-5A42-9176-B0E5C5726216}" type="datetimeFigureOut">
               <a:rPr lang="en-US" smtClean="0"/>
-              <a:t>4/23/20</a:t>
+              <a:t>4/13/22</a:t>
             </a:fld>
             <a:endParaRPr lang="en-US"/>
           </a:p>
@@ -2334,7 +2334,7 @@
           <a:p>
             <a:fld id="{34454F2F-FBAD-5A42-9176-B0E5C5726216}" type="datetimeFigureOut">
               <a:rPr lang="en-US" smtClean="0"/>
-              <a:t>4/23/20</a:t>
+              <a:t>4/13/22</a:t>
             </a:fld>
             <a:endParaRPr lang="en-US"/>
           </a:p>
@@ -2545,7 +2545,7 @@
           <a:p>
             <a:fld id="{34454F2F-FBAD-5A42-9176-B0E5C5726216}" type="datetimeFigureOut">
               <a:rPr lang="en-US" smtClean="0"/>
-              <a:t>4/23/20</a:t>
+              <a:t>4/13/22</a:t>
             </a:fld>
             <a:endParaRPr lang="en-US"/>
           </a:p>
@@ -3150,7 +3150,7 @@
             <a:pPr lvl="1"/>
             <a:r>
               <a:rPr lang="en-US" dirty="0"/>
-              <a:t>Make sure it runs without warnings or errors. Do not ignore these! They are telling you something important about model fits. </a:t>
+              <a:t>If you model does not run w/o a warning or if you violate the assumptions, please note this. </a:t>
             </a:r>
           </a:p>
           <a:p>

--- a/lectures/week_12_mixed_models/ex12_assignment.pptx
+++ b/lectures/week_12_mixed_models/ex12_assignment.pptx
@@ -7,7 +7,8 @@
   <p:sldIdLst>
     <p:sldId id="257" r:id="rId2"/>
     <p:sldId id="260" r:id="rId3"/>
-    <p:sldId id="259" r:id="rId4"/>
+    <p:sldId id="261" r:id="rId4"/>
+    <p:sldId id="259" r:id="rId5"/>
   </p:sldIdLst>
   <p:sldSz cx="12192000" cy="6858000"/>
   <p:notesSz cx="6858000" cy="9144000"/>
@@ -243,7 +244,7 @@
           <a:p>
             <a:fld id="{34454F2F-FBAD-5A42-9176-B0E5C5726216}" type="datetimeFigureOut">
               <a:rPr lang="en-US" smtClean="0"/>
-              <a:t>4/13/22</a:t>
+              <a:t>4/11/24</a:t>
             </a:fld>
             <a:endParaRPr lang="en-US"/>
           </a:p>
@@ -411,7 +412,7 @@
           <a:p>
             <a:fld id="{34454F2F-FBAD-5A42-9176-B0E5C5726216}" type="datetimeFigureOut">
               <a:rPr lang="en-US" smtClean="0"/>
-              <a:t>4/13/22</a:t>
+              <a:t>4/11/24</a:t>
             </a:fld>
             <a:endParaRPr lang="en-US"/>
           </a:p>
@@ -589,7 +590,7 @@
           <a:p>
             <a:fld id="{34454F2F-FBAD-5A42-9176-B0E5C5726216}" type="datetimeFigureOut">
               <a:rPr lang="en-US" smtClean="0"/>
-              <a:t>4/13/22</a:t>
+              <a:t>4/11/24</a:t>
             </a:fld>
             <a:endParaRPr lang="en-US"/>
           </a:p>
@@ -757,7 +758,7 @@
           <a:p>
             <a:fld id="{34454F2F-FBAD-5A42-9176-B0E5C5726216}" type="datetimeFigureOut">
               <a:rPr lang="en-US" smtClean="0"/>
-              <a:t>4/13/22</a:t>
+              <a:t>4/11/24</a:t>
             </a:fld>
             <a:endParaRPr lang="en-US"/>
           </a:p>
@@ -1002,7 +1003,7 @@
           <a:p>
             <a:fld id="{34454F2F-FBAD-5A42-9176-B0E5C5726216}" type="datetimeFigureOut">
               <a:rPr lang="en-US" smtClean="0"/>
-              <a:t>4/13/22</a:t>
+              <a:t>4/11/24</a:t>
             </a:fld>
             <a:endParaRPr lang="en-US"/>
           </a:p>
@@ -1231,7 +1232,7 @@
           <a:p>
             <a:fld id="{34454F2F-FBAD-5A42-9176-B0E5C5726216}" type="datetimeFigureOut">
               <a:rPr lang="en-US" smtClean="0"/>
-              <a:t>4/13/22</a:t>
+              <a:t>4/11/24</a:t>
             </a:fld>
             <a:endParaRPr lang="en-US"/>
           </a:p>
@@ -1595,7 +1596,7 @@
           <a:p>
             <a:fld id="{34454F2F-FBAD-5A42-9176-B0E5C5726216}" type="datetimeFigureOut">
               <a:rPr lang="en-US" smtClean="0"/>
-              <a:t>4/13/22</a:t>
+              <a:t>4/11/24</a:t>
             </a:fld>
             <a:endParaRPr lang="en-US"/>
           </a:p>
@@ -1712,7 +1713,7 @@
           <a:p>
             <a:fld id="{34454F2F-FBAD-5A42-9176-B0E5C5726216}" type="datetimeFigureOut">
               <a:rPr lang="en-US" smtClean="0"/>
-              <a:t>4/13/22</a:t>
+              <a:t>4/11/24</a:t>
             </a:fld>
             <a:endParaRPr lang="en-US"/>
           </a:p>
@@ -1807,7 +1808,7 @@
           <a:p>
             <a:fld id="{34454F2F-FBAD-5A42-9176-B0E5C5726216}" type="datetimeFigureOut">
               <a:rPr lang="en-US" smtClean="0"/>
-              <a:t>4/13/22</a:t>
+              <a:t>4/11/24</a:t>
             </a:fld>
             <a:endParaRPr lang="en-US"/>
           </a:p>
@@ -2082,7 +2083,7 @@
           <a:p>
             <a:fld id="{34454F2F-FBAD-5A42-9176-B0E5C5726216}" type="datetimeFigureOut">
               <a:rPr lang="en-US" smtClean="0"/>
-              <a:t>4/13/22</a:t>
+              <a:t>4/11/24</a:t>
             </a:fld>
             <a:endParaRPr lang="en-US"/>
           </a:p>
@@ -2334,7 +2335,7 @@
           <a:p>
             <a:fld id="{34454F2F-FBAD-5A42-9176-B0E5C5726216}" type="datetimeFigureOut">
               <a:rPr lang="en-US" smtClean="0"/>
-              <a:t>4/13/22</a:t>
+              <a:t>4/11/24</a:t>
             </a:fld>
             <a:endParaRPr lang="en-US"/>
           </a:p>
@@ -2545,7 +2546,7 @@
           <a:p>
             <a:fld id="{34454F2F-FBAD-5A42-9176-B0E5C5726216}" type="datetimeFigureOut">
               <a:rPr lang="en-US" smtClean="0"/>
-              <a:t>4/13/22</a:t>
+              <a:t>4/11/24</a:t>
             </a:fld>
             <a:endParaRPr lang="en-US"/>
           </a:p>
@@ -3070,6 +3071,23 @@
               <a:t>There is a document on canvas with some tips for writing results statements</a:t>
             </a:r>
           </a:p>
+          <a:p>
+            <a:endParaRPr lang="en-US" dirty="0"/>
+          </a:p>
+          <a:p>
+            <a:r>
+              <a:rPr lang="en-US" dirty="0"/>
+              <a:t>Your project write up should be ~1 paragraph (not long) and you’ll also hand in your </a:t>
+            </a:r>
+            <a:r>
+              <a:rPr lang="en-US" dirty="0" err="1"/>
+              <a:t>powerpoint</a:t>
+            </a:r>
+            <a:r>
+              <a:rPr lang="en-US" dirty="0"/>
+              <a:t> presentation</a:t>
+            </a:r>
+          </a:p>
         </p:txBody>
       </p:sp>
     </p:spTree>
@@ -3086,6 +3104,92 @@
 </file>
 
 <file path=ppt/slides/slide3.xml><?xml version="1.0" encoding="utf-8"?>
+<p:sld xmlns:a="http://schemas.openxmlformats.org/drawingml/2006/main" xmlns:r="http://schemas.openxmlformats.org/officeDocument/2006/relationships" xmlns:p="http://schemas.openxmlformats.org/presentationml/2006/main">
+  <p:cSld>
+    <p:spTree>
+      <p:nvGrpSpPr>
+        <p:cNvPr id="1" name=""/>
+        <p:cNvGrpSpPr/>
+        <p:nvPr/>
+      </p:nvGrpSpPr>
+      <p:grpSpPr>
+        <a:xfrm>
+          <a:off x="0" y="0"/>
+          <a:ext cx="0" cy="0"/>
+          <a:chOff x="0" y="0"/>
+          <a:chExt cx="0" cy="0"/>
+        </a:xfrm>
+      </p:grpSpPr>
+      <p:sp>
+        <p:nvSpPr>
+          <p:cNvPr id="2" name="Title 1">
+            <a:extLst>
+              <a:ext uri="{FF2B5EF4-FFF2-40B4-BE49-F238E27FC236}">
+                <a16:creationId xmlns:a16="http://schemas.microsoft.com/office/drawing/2014/main" id="{F30583B3-8C25-0690-C3E6-FB44D2F10030}"/>
+              </a:ext>
+            </a:extLst>
+          </p:cNvPr>
+          <p:cNvSpPr>
+            <a:spLocks noGrp="1"/>
+          </p:cNvSpPr>
+          <p:nvPr>
+            <p:ph type="title"/>
+          </p:nvPr>
+        </p:nvSpPr>
+        <p:spPr/>
+        <p:txBody>
+          <a:bodyPr/>
+          <a:lstStyle/>
+          <a:p>
+            <a:r>
+              <a:rPr lang="en-US" dirty="0"/>
+              <a:t>Feedback</a:t>
+            </a:r>
+          </a:p>
+        </p:txBody>
+      </p:sp>
+      <p:sp>
+        <p:nvSpPr>
+          <p:cNvPr id="3" name="Content Placeholder 2">
+            <a:extLst>
+              <a:ext uri="{FF2B5EF4-FFF2-40B4-BE49-F238E27FC236}">
+                <a16:creationId xmlns:a16="http://schemas.microsoft.com/office/drawing/2014/main" id="{B51A4FBF-0883-EFBE-95AA-10B4062B8BC6}"/>
+              </a:ext>
+            </a:extLst>
+          </p:cNvPr>
+          <p:cNvSpPr>
+            <a:spLocks noGrp="1"/>
+          </p:cNvSpPr>
+          <p:nvPr>
+            <p:ph idx="1"/>
+          </p:nvPr>
+        </p:nvSpPr>
+        <p:spPr/>
+        <p:txBody>
+          <a:bodyPr/>
+          <a:lstStyle/>
+          <a:p>
+            <a:r>
+              <a:rPr lang="en-US" dirty="0"/>
+              <a:t>If you need feedback urgently in order to progress with your presentation, please email me and Nichole so we can prioritize</a:t>
+            </a:r>
+          </a:p>
+        </p:txBody>
+      </p:sp>
+    </p:spTree>
+    <p:extLst>
+      <p:ext uri="{BB962C8B-B14F-4D97-AF65-F5344CB8AC3E}">
+        <p14:creationId xmlns:p14="http://schemas.microsoft.com/office/powerpoint/2010/main" val="2669029255"/>
+      </p:ext>
+    </p:extLst>
+  </p:cSld>
+  <p:clrMapOvr>
+    <a:masterClrMapping/>
+  </p:clrMapOvr>
+</p:sld>
+</file>
+
+<file path=ppt/slides/slide4.xml><?xml version="1.0" encoding="utf-8"?>
 <p:sld xmlns:a="http://schemas.openxmlformats.org/drawingml/2006/main" xmlns:r="http://schemas.openxmlformats.org/officeDocument/2006/relationships" xmlns:p="http://schemas.openxmlformats.org/presentationml/2006/main">
   <p:cSld>
     <p:spTree>
